--- a/MetaServer/DOC/Presentaion/Datagram_Suvorova.pptx
+++ b/MetaServer/DOC/Presentaion/Datagram_Suvorova.pptx
@@ -217,7 +217,7 @@
           <a:p>
             <a:fld id="{C9455BDB-7F1E-4B67-82D7-27D0BB640DC2}" type="datetimeFigureOut">
               <a:rPr lang="ru-RU" smtClean="0"/>
-              <a:t>11.05.2021</a:t>
+              <a:t>12.05.2021</a:t>
             </a:fld>
             <a:endParaRPr lang="ru-RU"/>
           </a:p>
@@ -383,7 +383,7 @@
           <a:p>
             <a:fld id="{EBD2DD9B-B9EB-4DD5-8E21-BE488093CC0C}" type="datetimeFigureOut">
               <a:rPr lang="ru-RU" smtClean="0"/>
-              <a:t>11.05.2021</a:t>
+              <a:t>12.05.2021</a:t>
             </a:fld>
             <a:endParaRPr lang="ru-RU"/>
           </a:p>
@@ -703,52 +703,48 @@
           <a:p>
             <a:r>
               <a:rPr lang="ru-RU" dirty="0"/>
-              <a:t>Меня зовут Суворова Анна, я </a:t>
+              <a:t>Меня зовут Суворова Анна, я ведущий разработчик </a:t>
             </a:r>
             <a:r>
-              <a:rPr lang="ru-RU" dirty="0" smtClean="0"/>
-              <a:t>ведущий разработчик </a:t>
-            </a:r>
-            <a:r>
-              <a:rPr lang="en-US" baseline="0" dirty="0" smtClean="0"/>
+              <a:rPr lang="en-US" baseline="0" dirty="0"/>
               <a:t>Datagram</a:t>
             </a:r>
             <a:r>
-              <a:rPr lang="ru-RU" baseline="0" dirty="0" smtClean="0"/>
+              <a:rPr lang="ru-RU" baseline="0" dirty="0"/>
               <a:t>.</a:t>
             </a:r>
           </a:p>
           <a:p>
-            <a:endParaRPr lang="ru-RU" baseline="0" dirty="0" smtClean="0"/>
+            <a:endParaRPr lang="ru-RU" baseline="0" dirty="0"/>
           </a:p>
           <a:p>
             <a:r>
-              <a:rPr lang="ru-RU" baseline="0" dirty="0" smtClean="0"/>
-              <a:t>Я разрабатываю серию лабораторных работ по </a:t>
+              <a:rPr lang="ru-RU" baseline="0" dirty="0"/>
+              <a:t>Сейчас, я разрабатываю серию лабораторных работ по </a:t>
             </a:r>
             <a:r>
-              <a:rPr lang="en-US" baseline="0" dirty="0" smtClean="0"/>
+              <a:rPr lang="en-US" baseline="0" dirty="0"/>
               <a:t>Datagram</a:t>
             </a:r>
             <a:r>
-              <a:rPr lang="ru-RU" baseline="0" dirty="0" smtClean="0"/>
+              <a:rPr lang="ru-RU" baseline="0" dirty="0"/>
               <a:t>, которые вы можете найти на </a:t>
             </a:r>
             <a:r>
-              <a:rPr lang="en-US" baseline="0" dirty="0" smtClean="0"/>
+              <a:rPr lang="en-US" baseline="0" dirty="0"/>
               <a:t>GitHub</a:t>
             </a:r>
             <a:r>
-              <a:rPr lang="ru-RU" baseline="0" dirty="0" smtClean="0"/>
+              <a:rPr lang="ru-RU" baseline="0" dirty="0"/>
               <a:t>.</a:t>
             </a:r>
           </a:p>
           <a:p>
-            <a:endParaRPr lang="ru-RU" baseline="0" dirty="0" smtClean="0"/>
+            <a:endParaRPr lang="ru-RU" baseline="0" dirty="0"/>
           </a:p>
           <a:p>
             <a:r>
-              <a:rPr lang="ru-RU" baseline="0" dirty="0" smtClean="0"/>
+              <a:rPr lang="ru-RU" baseline="0" dirty="0"/>
               <a:t>Сегодня я хочу продемонстрировать вам одну из них.</a:t>
             </a:r>
           </a:p>
@@ -835,23 +831,23 @@
           <a:lstStyle/>
           <a:p>
             <a:r>
-              <a:rPr lang="ru-RU" dirty="0" smtClean="0"/>
+              <a:rPr lang="ru-RU" dirty="0"/>
               <a:t>В</a:t>
             </a:r>
             <a:r>
-              <a:rPr lang="ru-RU" baseline="0" dirty="0" smtClean="0"/>
+              <a:rPr lang="ru-RU" baseline="0" dirty="0"/>
               <a:t> качестве источника данных в </a:t>
             </a:r>
             <a:r>
-              <a:rPr lang="ru-RU" baseline="0" dirty="0" err="1" smtClean="0"/>
+              <a:rPr lang="ru-RU" baseline="0" dirty="0" err="1"/>
               <a:t>лабораторках</a:t>
             </a:r>
             <a:r>
-              <a:rPr lang="ru-RU" baseline="0" dirty="0" smtClean="0"/>
+              <a:rPr lang="ru-RU" baseline="0" dirty="0"/>
               <a:t>, я использую БД </a:t>
             </a:r>
             <a:r>
-              <a:rPr lang="en-US" sz="1200" b="0" i="0" kern="1200" dirty="0" smtClean="0">
+              <a:rPr lang="en-US" sz="1200" b="0" i="0" kern="1200" dirty="0">
                 <a:solidFill>
                   <a:schemeClr val="tx1"/>
                 </a:solidFill>
@@ -863,17 +859,17 @@
               <a:t>Microsoft </a:t>
             </a:r>
             <a:r>
-              <a:rPr lang="en-US" baseline="0" dirty="0" err="1" smtClean="0"/>
+              <a:rPr lang="en-US" baseline="0" dirty="0" err="1"/>
               <a:t>AdventureWorks</a:t>
             </a:r>
-            <a:endParaRPr lang="en-US" baseline="0" dirty="0" smtClean="0"/>
-          </a:p>
-          <a:p>
-            <a:endParaRPr lang="ru-RU" dirty="0" smtClean="0"/>
+            <a:endParaRPr lang="en-US" baseline="0" dirty="0"/>
+          </a:p>
+          <a:p>
+            <a:endParaRPr lang="ru-RU" dirty="0"/>
           </a:p>
           <a:p>
             <a:r>
-              <a:rPr lang="ru-RU" sz="1200" b="0" i="0" kern="1200" dirty="0" smtClean="0">
+              <a:rPr lang="ru-RU" sz="1200" b="0" i="0" kern="1200" dirty="0">
                 <a:solidFill>
                   <a:schemeClr val="tx1"/>
                 </a:solidFill>
@@ -882,10 +878,10 @@
                 <a:ea typeface="+mn-ea"/>
                 <a:cs typeface="+mn-cs"/>
               </a:rPr>
-              <a:t>Задача</a:t>
+              <a:t>Задача, которую будет сегодня разбирать,</a:t>
             </a:r>
             <a:r>
-              <a:rPr lang="en-US" sz="1200" b="0" i="0" kern="1200" dirty="0" smtClean="0">
+              <a:rPr lang="en-US" sz="1200" b="0" i="0" kern="1200" dirty="0">
                 <a:solidFill>
                   <a:schemeClr val="tx1"/>
                 </a:solidFill>
@@ -897,7 +893,7 @@
               <a:t> </a:t>
             </a:r>
             <a:r>
-              <a:rPr lang="ru-RU" sz="1200" b="0" i="0" kern="1200" dirty="0" smtClean="0">
+              <a:rPr lang="ru-RU" sz="1200" b="0" i="0" kern="1200" dirty="0">
                 <a:solidFill>
                   <a:schemeClr val="tx1"/>
                 </a:solidFill>
@@ -909,7 +905,7 @@
               <a:t>звучит</a:t>
             </a:r>
             <a:r>
-              <a:rPr lang="ru-RU" sz="1200" b="0" i="0" kern="1200" baseline="0" dirty="0" smtClean="0">
+              <a:rPr lang="ru-RU" sz="1200" b="0" i="0" kern="1200" baseline="0" dirty="0">
                 <a:solidFill>
                   <a:schemeClr val="tx1"/>
                 </a:solidFill>
@@ -921,7 +917,7 @@
               <a:t> следующим образом</a:t>
             </a:r>
             <a:r>
-              <a:rPr lang="ru-RU" sz="1200" b="0" i="0" kern="1200" dirty="0" smtClean="0">
+              <a:rPr lang="ru-RU" sz="1200" b="0" i="0" kern="1200" dirty="0">
                 <a:solidFill>
                   <a:schemeClr val="tx1"/>
                 </a:solidFill>
@@ -932,7 +928,37 @@
               </a:rPr>
               <a:t>:</a:t>
             </a:r>
-            <a:endParaRPr lang="ru-RU" sz="1200" b="0" i="0" kern="1200" dirty="0" smtClean="0">
+          </a:p>
+          <a:p>
+            <a:r>
+              <a:rPr lang="ru-RU" sz="1200" b="0" i="0" kern="1200" dirty="0">
+                <a:solidFill>
+                  <a:schemeClr val="tx1"/>
+                </a:solidFill>
+                <a:effectLst/>
+                <a:latin typeface="+mn-lt"/>
+                <a:ea typeface="+mn-ea"/>
+                <a:cs typeface="+mn-cs"/>
+              </a:rPr>
+              <a:t>Руководитель ставит задачу отделу кадров: провести максимальное увеличение зарплат сотрудникам с учетом бизнес правил в декабре 2013 года</a:t>
+            </a:r>
+          </a:p>
+          <a:p>
+            <a:r>
+              <a:rPr lang="ru-RU" sz="1200" b="0" i="0" kern="1200" dirty="0">
+                <a:solidFill>
+                  <a:schemeClr val="tx1"/>
+                </a:solidFill>
+                <a:effectLst/>
+                <a:latin typeface="+mn-lt"/>
+                <a:ea typeface="+mn-ea"/>
+                <a:cs typeface="+mn-cs"/>
+              </a:rPr>
+              <a:t>Он также хочет видеть факты повышения заработной платы за предыдущий год</a:t>
+            </a:r>
+          </a:p>
+          <a:p>
+            <a:endParaRPr lang="ru-RU" sz="1200" b="0" i="0" kern="1200" dirty="0">
               <a:solidFill>
                 <a:schemeClr val="tx1"/>
               </a:solidFill>
@@ -944,46 +970,7 @@
           </a:p>
           <a:p>
             <a:r>
-              <a:rPr lang="ru-RU" sz="1200" b="0" i="0" kern="1200" dirty="0" smtClean="0">
-                <a:solidFill>
-                  <a:schemeClr val="tx1"/>
-                </a:solidFill>
-                <a:effectLst/>
-                <a:latin typeface="+mn-lt"/>
-                <a:ea typeface="+mn-ea"/>
-                <a:cs typeface="+mn-cs"/>
-              </a:rPr>
-              <a:t>Руководитель ставит задачу отделу кадров: провести максимальное увеличение зарплат сотрудникам с учетом бизнес правил в декабре 2013 года</a:t>
-            </a:r>
-          </a:p>
-          <a:p>
-            <a:r>
-              <a:rPr lang="ru-RU" sz="1200" b="0" i="0" kern="1200" dirty="0" smtClean="0">
-                <a:solidFill>
-                  <a:schemeClr val="tx1"/>
-                </a:solidFill>
-                <a:effectLst/>
-                <a:latin typeface="+mn-lt"/>
-                <a:ea typeface="+mn-ea"/>
-                <a:cs typeface="+mn-cs"/>
-              </a:rPr>
-              <a:t>Он также хочет видеть факты повышения заработной платы за предыдущий год</a:t>
-            </a:r>
-          </a:p>
-          <a:p>
-            <a:endParaRPr lang="ru-RU" sz="1200" b="0" i="0" kern="1200" dirty="0" smtClean="0">
-              <a:solidFill>
-                <a:schemeClr val="tx1"/>
-              </a:solidFill>
-              <a:effectLst/>
-              <a:latin typeface="+mn-lt"/>
-              <a:ea typeface="+mn-ea"/>
-              <a:cs typeface="+mn-cs"/>
-            </a:endParaRPr>
-          </a:p>
-          <a:p>
-            <a:r>
-              <a:rPr lang="ru-RU" sz="1200" b="0" i="0" kern="1200" dirty="0" smtClean="0">
+              <a:rPr lang="ru-RU" sz="1200" b="0" i="0" kern="1200" dirty="0">
                 <a:solidFill>
                   <a:schemeClr val="tx1"/>
                 </a:solidFill>
@@ -997,7 +984,7 @@
           </a:p>
           <a:p>
             <a:r>
-              <a:rPr lang="ru-RU" sz="1200" b="0" i="0" kern="1200" dirty="0" smtClean="0">
+              <a:rPr lang="ru-RU" sz="1200" b="0" i="0" kern="1200" dirty="0">
                 <a:solidFill>
                   <a:schemeClr val="tx1"/>
                 </a:solidFill>
@@ -1011,7 +998,7 @@
           </a:p>
           <a:p>
             <a:r>
-              <a:rPr lang="ru-RU" sz="1200" b="0" i="0" kern="1200" dirty="0" smtClean="0">
+              <a:rPr lang="ru-RU" sz="1200" b="0" i="0" kern="1200" dirty="0">
                 <a:solidFill>
                   <a:schemeClr val="tx1"/>
                 </a:solidFill>
@@ -1025,7 +1012,7 @@
           </a:p>
           <a:p>
             <a:r>
-              <a:rPr lang="ru-RU" sz="1200" b="0" i="0" kern="1200" dirty="0" smtClean="0">
+              <a:rPr lang="ru-RU" sz="1200" b="0" i="0" kern="1200" dirty="0">
                 <a:solidFill>
                   <a:schemeClr val="tx1"/>
                 </a:solidFill>
@@ -1038,12 +1025,8 @@
             </a:r>
           </a:p>
           <a:p>
-            <a:r>
-              <a:rPr lang="ru-RU" dirty="0" smtClean="0"/>
-              <a:t/>
-            </a:r>
             <a:br>
-              <a:rPr lang="ru-RU" dirty="0" smtClean="0"/>
+              <a:rPr lang="ru-RU" dirty="0"/>
             </a:br>
             <a:endParaRPr lang="ru-RU" sz="1200" b="0" i="0" kern="1200" dirty="0">
               <a:solidFill>
@@ -1138,25 +1121,35 @@
           <a:lstStyle/>
           <a:p>
             <a:r>
-              <a:rPr lang="ru-RU" dirty="0" smtClean="0"/>
+              <a:rPr lang="ru-RU" dirty="0"/>
+              <a:t>Далее проведем небольшой анализ задачи.</a:t>
+            </a:r>
+          </a:p>
+          <a:p>
+            <a:r>
+              <a:rPr lang="ru-RU" dirty="0"/>
+              <a:t>Что мы должны получить на выходе по бизнесу и какие артефакты получить.</a:t>
+            </a:r>
+          </a:p>
+          <a:p>
+            <a:endParaRPr lang="ru-RU" dirty="0"/>
+          </a:p>
+          <a:p>
+            <a:r>
+              <a:rPr lang="ru-RU" dirty="0"/>
               <a:t>На выходе нужно</a:t>
             </a:r>
             <a:r>
-              <a:rPr lang="ru-RU" baseline="0" dirty="0" smtClean="0"/>
-              <a:t> получить три </a:t>
+              <a:rPr lang="ru-RU" baseline="0" dirty="0"/>
+              <a:t> получить три таблицы по бизнесу:</a:t>
             </a:r>
-            <a:r>
-              <a:rPr lang="ru-RU" baseline="0" dirty="0" smtClean="0"/>
-              <a:t>таблицы по бизнесу:</a:t>
-            </a:r>
-            <a:endParaRPr lang="ru-RU" baseline="0" dirty="0" smtClean="0"/>
           </a:p>
           <a:p>
             <a:pPr marL="228600" indent="-228600">
               <a:buAutoNum type="arabicParenR"/>
             </a:pPr>
             <a:r>
-              <a:rPr lang="ru-RU" baseline="0" dirty="0" smtClean="0"/>
+              <a:rPr lang="ru-RU" baseline="0" dirty="0"/>
               <a:t>Повышение за предыдущий год</a:t>
             </a:r>
           </a:p>
@@ -1165,8 +1158,8 @@
               <a:buAutoNum type="arabicParenR"/>
             </a:pPr>
             <a:r>
-              <a:rPr lang="ru-RU" baseline="0" dirty="0" smtClean="0"/>
-              <a:t>Плана повышений</a:t>
+              <a:rPr lang="ru-RU" baseline="0" dirty="0"/>
+              <a:t>Плана повышений на следующий</a:t>
             </a:r>
           </a:p>
           <a:p>
@@ -1174,31 +1167,23 @@
               <a:buAutoNum type="arabicParenR"/>
             </a:pPr>
             <a:r>
-              <a:rPr lang="ru-RU" baseline="0" dirty="0" smtClean="0"/>
-              <a:t>И </a:t>
+              <a:rPr lang="ru-RU" baseline="0" dirty="0"/>
+              <a:t>И план повышений для согласования</a:t>
             </a:r>
-            <a:r>
-              <a:rPr lang="ru-RU" baseline="0" dirty="0" smtClean="0"/>
-              <a:t>план повышений </a:t>
-            </a:r>
-            <a:r>
-              <a:rPr lang="ru-RU" baseline="0" dirty="0" smtClean="0"/>
-              <a:t>для согласования</a:t>
-            </a:r>
-            <a:endParaRPr lang="en-US" baseline="0" dirty="0" smtClean="0"/>
+            <a:endParaRPr lang="en-US" baseline="0" dirty="0"/>
           </a:p>
           <a:p>
             <a:pPr marL="228600" indent="-228600">
               <a:buAutoNum type="arabicParenR"/>
             </a:pPr>
-            <a:endParaRPr lang="ru-RU" baseline="0" dirty="0" smtClean="0"/>
+            <a:endParaRPr lang="ru-RU" baseline="0" dirty="0"/>
           </a:p>
           <a:p>
             <a:pPr marL="0" indent="0">
               <a:buNone/>
             </a:pPr>
             <a:r>
-              <a:rPr lang="ru-RU" baseline="0" dirty="0" smtClean="0"/>
+              <a:rPr lang="ru-RU" baseline="0" dirty="0"/>
               <a:t>И Артефакты:</a:t>
             </a:r>
           </a:p>
@@ -1207,7 +1192,7 @@
               <a:buAutoNum type="arabicParenR"/>
             </a:pPr>
             <a:r>
-              <a:rPr lang="ru-RU" baseline="0" dirty="0" smtClean="0"/>
+              <a:rPr lang="ru-RU" baseline="0" dirty="0"/>
               <a:t>Две трансформации</a:t>
             </a:r>
           </a:p>
@@ -1216,16 +1201,16 @@
               <a:buAutoNum type="arabicParenR"/>
             </a:pPr>
             <a:r>
-              <a:rPr lang="en-US" baseline="0" dirty="0" smtClean="0"/>
+              <a:rPr lang="en-US" baseline="0" dirty="0"/>
               <a:t>Workflow</a:t>
             </a:r>
-            <a:endParaRPr lang="ru-RU" baseline="0" dirty="0" smtClean="0"/>
+            <a:endParaRPr lang="ru-RU" baseline="0" dirty="0"/>
           </a:p>
           <a:p>
             <a:pPr marL="228600" indent="-228600">
               <a:buAutoNum type="arabicParenR"/>
             </a:pPr>
-            <a:endParaRPr lang="en-US" baseline="0" dirty="0" smtClean="0"/>
+            <a:endParaRPr lang="en-US" baseline="0" dirty="0"/>
           </a:p>
           <a:p>
             <a:pPr marL="0" indent="0">
@@ -1238,24 +1223,12 @@
               <a:buNone/>
             </a:pPr>
             <a:r>
-              <a:rPr lang="ru-RU" sz="1200" dirty="0" smtClean="0">
+              <a:rPr lang="ru-RU" sz="1200" dirty="0">
                 <a:cs typeface="Segoe UI"/>
               </a:rPr>
-              <a:t>Трансформация – это процесс, который извлекает данные из источников, </a:t>
+              <a:t>Трансформация – это процесс, который извлекает данные из источников, обрабатывает их и загружает в цели данных (например, в хранилище данных). </a:t>
             </a:r>
-            <a:r>
-              <a:rPr lang="ru-RU" sz="1200" dirty="0" smtClean="0">
-                <a:cs typeface="Segoe UI"/>
-              </a:rPr>
-              <a:t>обрабатывает </a:t>
-            </a:r>
-            <a:r>
-              <a:rPr lang="ru-RU" sz="1200" dirty="0" smtClean="0">
-                <a:cs typeface="Segoe UI"/>
-              </a:rPr>
-              <a:t>их и загружает в цели данных (например, в хранилище данных). </a:t>
-            </a:r>
-            <a:endParaRPr lang="en-US" sz="1200" dirty="0" smtClean="0">
+            <a:endParaRPr lang="en-US" sz="1200" dirty="0">
               <a:cs typeface="Segoe UI" panose="020B0502040204020203" pitchFamily="34" charset="0"/>
             </a:endParaRPr>
           </a:p>
@@ -1263,7 +1236,7 @@
             <a:pPr marL="0" indent="0">
               <a:buNone/>
             </a:pPr>
-            <a:endParaRPr lang="en-US" dirty="0" smtClean="0"/>
+            <a:endParaRPr lang="en-US" dirty="0"/>
           </a:p>
           <a:p>
             <a:pPr marL="0" indent="0">
@@ -1276,13 +1249,13 @@
               <a:buNone/>
             </a:pPr>
             <a:r>
-              <a:rPr lang="en-US" sz="1200" dirty="0" smtClean="0">
+              <a:rPr lang="en-US" sz="1200" dirty="0">
                 <a:cs typeface="Segoe UI"/>
               </a:rPr>
               <a:t>Workflow </a:t>
             </a:r>
             <a:r>
-              <a:rPr lang="ru-RU" sz="1200" dirty="0" smtClean="0">
+              <a:rPr lang="ru-RU" sz="1200" dirty="0">
                 <a:cs typeface="Segoe UI"/>
               </a:rPr>
               <a:t>- это последовательность задач по обработке данных, выполняемых последовательно или параллельно. </a:t>
@@ -1292,30 +1265,30 @@
             <a:pPr marL="0" indent="0">
               <a:buNone/>
             </a:pPr>
-            <a:endParaRPr lang="en-US" dirty="0" smtClean="0"/>
+            <a:endParaRPr lang="en-US" dirty="0"/>
           </a:p>
           <a:p>
             <a:pPr marL="228600" indent="-228600">
               <a:buAutoNum type="arabicParenR"/>
             </a:pPr>
             <a:r>
-              <a:rPr lang="ru-RU" dirty="0" smtClean="0"/>
+              <a:rPr lang="ru-RU" dirty="0"/>
               <a:t>В </a:t>
             </a:r>
             <a:r>
-              <a:rPr lang="en-US" dirty="0" smtClean="0"/>
+              <a:rPr lang="en-US" dirty="0"/>
               <a:t>1 </a:t>
             </a:r>
             <a:r>
-              <a:rPr lang="ru-RU" dirty="0" smtClean="0"/>
+              <a:rPr lang="ru-RU" dirty="0"/>
               <a:t>трансформации получаем</a:t>
             </a:r>
             <a:r>
-              <a:rPr lang="ru-RU" baseline="0" dirty="0" smtClean="0"/>
+              <a:rPr lang="ru-RU" baseline="0" dirty="0"/>
               <a:t> Т</a:t>
             </a:r>
             <a:r>
-              <a:rPr lang="ru-RU" sz="1200" b="0" i="0" kern="1200" dirty="0" smtClean="0">
+              <a:rPr lang="ru-RU" sz="1200" b="0" i="0" kern="1200" dirty="0">
                 <a:solidFill>
                   <a:schemeClr val="tx1"/>
                 </a:solidFill>
@@ -1324,19 +1297,7 @@
                 <a:ea typeface="+mn-ea"/>
                 <a:cs typeface="+mn-cs"/>
               </a:rPr>
-              <a:t>аблицу </a:t>
-            </a:r>
-            <a:r>
-              <a:rPr lang="ru-RU" sz="1200" b="0" i="0" kern="1200" dirty="0" smtClean="0">
-                <a:solidFill>
-                  <a:schemeClr val="tx1"/>
-                </a:solidFill>
-                <a:effectLst/>
-                <a:latin typeface="+mn-lt"/>
-                <a:ea typeface="+mn-ea"/>
-                <a:cs typeface="+mn-cs"/>
-              </a:rPr>
-              <a:t>фактов повышения ЗП за предыдущий год</a:t>
+              <a:t>аблицу фактов повышения ЗП за предыдущий год</a:t>
             </a:r>
           </a:p>
           <a:p>
@@ -1344,7 +1305,7 @@
               <a:buAutoNum type="arabicParenR"/>
             </a:pPr>
             <a:r>
-              <a:rPr lang="ru-RU" sz="1200" b="0" i="0" kern="1200" dirty="0" smtClean="0">
+              <a:rPr lang="ru-RU" sz="1200" b="0" i="0" kern="1200" dirty="0">
                 <a:solidFill>
                   <a:schemeClr val="tx1"/>
                 </a:solidFill>
@@ -1356,7 +1317,7 @@
               <a:t>Во 2 трансформации</a:t>
             </a:r>
             <a:r>
-              <a:rPr lang="ru-RU" sz="1200" b="0" i="0" kern="1200" baseline="0" dirty="0" smtClean="0">
+              <a:rPr lang="ru-RU" sz="1200" b="0" i="0" kern="1200" baseline="0" dirty="0">
                 <a:solidFill>
                   <a:schemeClr val="tx1"/>
                 </a:solidFill>
@@ -1368,7 +1329,7 @@
               <a:t> т</a:t>
             </a:r>
             <a:r>
-              <a:rPr lang="ru-RU" sz="1200" b="0" i="0" kern="1200" dirty="0" smtClean="0">
+              <a:rPr lang="ru-RU" sz="1200" b="0" i="0" kern="1200" dirty="0">
                 <a:solidFill>
                   <a:schemeClr val="tx1"/>
                 </a:solidFill>
@@ -1377,19 +1338,7 @@
                 <a:ea typeface="+mn-ea"/>
                 <a:cs typeface="+mn-cs"/>
               </a:rPr>
-              <a:t>аблицы </a:t>
-            </a:r>
-            <a:r>
-              <a:rPr lang="ru-RU" sz="1200" b="0" i="0" kern="1200" dirty="0" smtClean="0">
-                <a:solidFill>
-                  <a:schemeClr val="tx1"/>
-                </a:solidFill>
-                <a:effectLst/>
-                <a:latin typeface="+mn-lt"/>
-                <a:ea typeface="+mn-ea"/>
-                <a:cs typeface="+mn-cs"/>
-              </a:rPr>
-              <a:t>с плановыми повышениями ЗП в следующем году с конфликтами и без</a:t>
+              <a:t>аблицы с плановыми повышениями ЗП в следующем году с конфликтами и без</a:t>
             </a:r>
           </a:p>
           <a:p>
@@ -1397,7 +1346,7 @@
               <a:buAutoNum type="arabicParenR"/>
             </a:pPr>
             <a:r>
-              <a:rPr lang="ru-RU" sz="1200" b="0" i="0" kern="1200" dirty="0" smtClean="0">
+              <a:rPr lang="ru-RU" sz="1200" b="0" i="0" kern="1200" dirty="0">
                 <a:solidFill>
                   <a:schemeClr val="tx1"/>
                 </a:solidFill>
@@ -1409,7 +1358,7 @@
               <a:t>А </a:t>
             </a:r>
             <a:r>
-              <a:rPr lang="en-US" sz="1200" b="0" i="0" kern="1200" dirty="0" smtClean="0">
+              <a:rPr lang="en-US" sz="1200" b="0" i="0" kern="1200" dirty="0">
                 <a:solidFill>
                   <a:schemeClr val="tx1"/>
                 </a:solidFill>
@@ -1421,7 +1370,7 @@
               <a:t>Workflow</a:t>
             </a:r>
             <a:r>
-              <a:rPr lang="ru-RU" sz="1200" b="0" i="0" kern="1200" baseline="0" dirty="0" smtClean="0">
+              <a:rPr lang="ru-RU" sz="1200" b="0" i="0" kern="1200" baseline="0" dirty="0">
                 <a:solidFill>
                   <a:schemeClr val="tx1"/>
                 </a:solidFill>
@@ -1430,43 +1379,7 @@
                 <a:ea typeface="+mn-ea"/>
                 <a:cs typeface="+mn-cs"/>
               </a:rPr>
-              <a:t> </a:t>
-            </a:r>
-            <a:r>
-              <a:rPr lang="ru-RU" sz="1200" b="0" i="0" kern="1200" baseline="0" dirty="0" smtClean="0">
-                <a:solidFill>
-                  <a:schemeClr val="tx1"/>
-                </a:solidFill>
-                <a:effectLst/>
-                <a:latin typeface="+mn-lt"/>
-                <a:ea typeface="+mn-ea"/>
-                <a:cs typeface="+mn-cs"/>
-              </a:rPr>
-              <a:t>объединяет две </a:t>
-            </a:r>
-            <a:r>
-              <a:rPr lang="ru-RU" sz="1200" b="0" i="0" kern="1200" baseline="0" dirty="0" smtClean="0">
-                <a:solidFill>
-                  <a:schemeClr val="tx1"/>
-                </a:solidFill>
-                <a:effectLst/>
-                <a:latin typeface="+mn-lt"/>
-                <a:ea typeface="+mn-ea"/>
-                <a:cs typeface="+mn-cs"/>
-              </a:rPr>
-              <a:t>эти трансформации </a:t>
-            </a:r>
-            <a:r>
-              <a:rPr lang="ru-RU" sz="1200" b="0" i="0" kern="1200" baseline="0" dirty="0" smtClean="0">
-                <a:solidFill>
-                  <a:schemeClr val="tx1"/>
-                </a:solidFill>
-                <a:effectLst/>
-                <a:latin typeface="+mn-lt"/>
-                <a:ea typeface="+mn-ea"/>
-                <a:cs typeface="+mn-cs"/>
-              </a:rPr>
-              <a:t>в один шаг</a:t>
+              <a:t> объединяет две эти трансформации в один шаг</a:t>
             </a:r>
             <a:endParaRPr lang="en-US" dirty="0"/>
           </a:p>
@@ -1553,7 +1466,7 @@
           <a:lstStyle/>
           <a:p>
             <a:r>
-              <a:rPr lang="ru-RU" dirty="0" smtClean="0"/>
+              <a:rPr lang="ru-RU" dirty="0"/>
               <a:t>И так, приступим</a:t>
             </a:r>
             <a:endParaRPr lang="en-US" dirty="0"/>
@@ -11007,10 +10920,6 @@
               <a:rPr lang="ru-RU" dirty="0"/>
               <a:t>ОБРАЗЕЦ ЗАГОЛОВКА</a:t>
             </a:r>
-            <a:r>
-              <a:rPr lang="en-US" dirty="0"/>
-              <a:t/>
-            </a:r>
             <a:br>
               <a:rPr lang="en-US" dirty="0"/>
             </a:br>
@@ -12849,10 +12758,6 @@
             <a:br>
               <a:rPr lang="ru-RU" dirty="0"/>
             </a:br>
-            <a:r>
-              <a:rPr lang="en-US" dirty="0"/>
-              <a:t/>
-            </a:r>
             <a:br>
               <a:rPr lang="en-US" dirty="0"/>
             </a:br>
@@ -22354,10 +22259,6 @@
               <a:rPr lang="ru-RU" dirty="0"/>
               <a:t>ОБРАЗЕЦ ЗАГОЛОВКА</a:t>
             </a:r>
-            <a:r>
-              <a:rPr lang="en-US" dirty="0"/>
-              <a:t/>
-            </a:r>
             <a:br>
               <a:rPr lang="en-US" dirty="0"/>
             </a:br>
@@ -24984,10 +24885,6 @@
             <a:br>
               <a:rPr lang="ru-RU" dirty="0"/>
             </a:br>
-            <a:r>
-              <a:rPr lang="en-US" dirty="0"/>
-              <a:t/>
-            </a:r>
             <a:br>
               <a:rPr lang="en-US" dirty="0"/>
             </a:br>
@@ -26265,10 +26162,6 @@
             <a:br>
               <a:rPr lang="ru-RU" dirty="0"/>
             </a:br>
-            <a:r>
-              <a:rPr lang="en-US" dirty="0"/>
-              <a:t/>
-            </a:r>
             <a:br>
               <a:rPr lang="en-US" dirty="0"/>
             </a:br>
@@ -32189,10 +32082,6 @@
               <a:rPr lang="ru-RU" dirty="0"/>
               <a:t>ОБРАЗЕЦ ЗАГОЛОВКА</a:t>
             </a:r>
-            <a:r>
-              <a:rPr lang="en-US" dirty="0"/>
-              <a:t/>
-            </a:r>
             <a:br>
               <a:rPr lang="en-US" dirty="0"/>
             </a:br>
@@ -34170,10 +34059,6 @@
             <a:r>
               <a:rPr lang="ru-RU" dirty="0"/>
               <a:t>ОБРАЗЕЦ ЗАГОЛОВКА</a:t>
-            </a:r>
-            <a:r>
-              <a:rPr lang="en-US" dirty="0"/>
-              <a:t/>
             </a:r>
             <a:br>
               <a:rPr lang="en-US" dirty="0"/>
@@ -36791,7 +36676,7 @@
               <a:buNone/>
             </a:pPr>
             <a:r>
-              <a:rPr lang="ru-RU" sz="2400" dirty="0" smtClean="0">
+              <a:rPr lang="ru-RU" sz="2400" dirty="0">
                 <a:solidFill>
                   <a:schemeClr val="bg1"/>
                 </a:solidFill>
@@ -37471,14 +37356,14 @@
               <a:buNone/>
             </a:pPr>
             <a:r>
-              <a:rPr lang="ru-RU" sz="1400" dirty="0" smtClean="0">
+              <a:rPr lang="ru-RU" sz="1400" dirty="0">
                 <a:ea typeface="Segoe UI Black" panose="020B0A02040204020203" pitchFamily="34" charset="0"/>
                 <a:cs typeface="Segoe UI" panose="020B0502040204020203" pitchFamily="34" charset="0"/>
               </a:rPr>
               <a:t>Ведущий разработчик </a:t>
             </a:r>
             <a:r>
-              <a:rPr lang="en-US" sz="1400" dirty="0" smtClean="0">
+              <a:rPr lang="en-US" sz="1400" dirty="0">
                 <a:ea typeface="Segoe UI Black" panose="020B0A02040204020203" pitchFamily="34" charset="0"/>
                 <a:cs typeface="Segoe UI" panose="020B0502040204020203" pitchFamily="34" charset="0"/>
               </a:rPr>
@@ -39020,7 +38905,7 @@
               <a:buNone/>
             </a:pPr>
             <a:r>
-              <a:rPr lang="ru-RU" b="1" dirty="0" smtClean="0">
+              <a:rPr lang="ru-RU" b="1" dirty="0">
                 <a:solidFill>
                   <a:schemeClr val="bg1"/>
                 </a:solidFill>
@@ -39506,26 +39391,11 @@
               <a:buNone/>
             </a:pPr>
             <a:r>
-              <a:rPr lang="ru-RU" sz="1400" dirty="0" smtClean="0">
-                <a:cs typeface="Segoe UI"/>
-              </a:rPr>
-              <a:t>Провести </a:t>
-            </a:r>
-            <a:r>
               <a:rPr lang="ru-RU" sz="1400" dirty="0">
                 <a:cs typeface="Segoe UI"/>
               </a:rPr>
-              <a:t>максимальное повышение ЗП всем сотрудникам с учетом бизнес-правил в декабре 2013 </a:t>
+              <a:t>Провести максимальное повышение ЗП всем сотрудникам с учетом бизнес-правил в декабре 2013 года</a:t>
             </a:r>
-            <a:r>
-              <a:rPr lang="ru-RU" sz="1400" dirty="0" smtClean="0">
-                <a:cs typeface="Segoe UI"/>
-              </a:rPr>
-              <a:t>года</a:t>
-            </a:r>
-            <a:endParaRPr lang="ru-RU" sz="1400" dirty="0">
-              <a:cs typeface="Segoe UI"/>
-            </a:endParaRPr>
           </a:p>
         </p:txBody>
       </p:sp>
@@ -39761,17 +39631,8 @@
               <a:rPr lang="ru-RU" sz="1400" dirty="0">
                 <a:cs typeface="Segoe UI"/>
               </a:rPr>
-              <a:t>Повышение ЗП максимум 1 раз в </a:t>
+              <a:t>Повышение ЗП максимум 1 раз в год</a:t>
             </a:r>
-            <a:r>
-              <a:rPr lang="ru-RU" sz="1400" dirty="0" smtClean="0">
-                <a:cs typeface="Segoe UI"/>
-              </a:rPr>
-              <a:t>год</a:t>
-            </a:r>
-            <a:endParaRPr lang="ru-RU" sz="1400" dirty="0">
-              <a:cs typeface="Segoe UI"/>
-            </a:endParaRPr>
           </a:p>
           <a:p>
             <a:pPr>
@@ -40226,7 +40087,7 @@
               <a:buNone/>
             </a:pPr>
             <a:r>
-              <a:rPr lang="ru-RU" b="1" dirty="0" smtClean="0">
+              <a:rPr lang="ru-RU" b="1" dirty="0">
                 <a:solidFill>
                   <a:schemeClr val="bg1"/>
                 </a:solidFill>
@@ -40706,63 +40567,7 @@
                 </a:solidFill>
                 <a:cs typeface="Segoe UI" panose="020B0502040204020203" pitchFamily="34" charset="0"/>
               </a:rPr>
-              <a:t>На выходе нужны таблицы</a:t>
-            </a:r>
-            <a:r>
-              <a:rPr lang="ru-RU" sz="1800" b="1" dirty="0" smtClean="0">
-                <a:solidFill>
-                  <a:schemeClr val="accent3"/>
-                </a:solidFill>
-                <a:cs typeface="Segoe UI" panose="020B0502040204020203" pitchFamily="34" charset="0"/>
-              </a:rPr>
-              <a:t>:</a:t>
-            </a:r>
-            <a:endParaRPr lang="ru-RU" sz="1800" b="1" dirty="0">
-              <a:solidFill>
-                <a:schemeClr val="accent3"/>
-              </a:solidFill>
-              <a:cs typeface="Segoe UI" panose="020B0502040204020203" pitchFamily="34" charset="0"/>
-            </a:endParaRPr>
-          </a:p>
-          <a:p>
-            <a:pPr>
-              <a:lnSpc>
-                <a:spcPct val="100000"/>
-              </a:lnSpc>
-              <a:spcBef>
-                <a:spcPts val="0"/>
-              </a:spcBef>
-            </a:pPr>
-            <a:endParaRPr lang="ru-RU" sz="1400" dirty="0" smtClean="0">
-              <a:cs typeface="Segoe UI"/>
-            </a:endParaRPr>
-          </a:p>
-          <a:p>
-            <a:pPr>
-              <a:lnSpc>
-                <a:spcPct val="100000"/>
-              </a:lnSpc>
-              <a:spcBef>
-                <a:spcPts val="0"/>
-              </a:spcBef>
-            </a:pPr>
-            <a:r>
-              <a:rPr lang="ru-RU" sz="1400" dirty="0" smtClean="0">
-                <a:cs typeface="Segoe UI"/>
-              </a:rPr>
-              <a:t>Таблица </a:t>
-            </a:r>
-            <a:r>
-              <a:rPr lang="ru-RU" sz="1400" dirty="0">
-                <a:cs typeface="Segoe UI"/>
-              </a:rPr>
-              <a:t>фактов повышения ЗП за предыдущий </a:t>
-            </a:r>
-            <a:r>
-              <a:rPr lang="ru-RU" sz="1400" dirty="0" smtClean="0">
-                <a:cs typeface="Segoe UI"/>
-              </a:rPr>
-              <a:t>год</a:t>
+              <a:t>На выходе нужны таблицы:</a:t>
             </a:r>
           </a:p>
           <a:p>
@@ -40791,13 +40596,7 @@
               <a:rPr lang="ru-RU" sz="1400" dirty="0">
                 <a:cs typeface="Segoe UI"/>
               </a:rPr>
-              <a:t>Таблица плана повышения </a:t>
-            </a:r>
-            <a:r>
-              <a:rPr lang="ru-RU" sz="1400" dirty="0" smtClean="0">
-                <a:cs typeface="Segoe UI"/>
-              </a:rPr>
-              <a:t>ЗП</a:t>
+              <a:t>Таблица фактов повышения ЗП за предыдущий год</a:t>
             </a:r>
           </a:p>
           <a:p>
@@ -40826,13 +40625,36 @@
               <a:rPr lang="ru-RU" sz="1400" dirty="0">
                 <a:cs typeface="Segoe UI"/>
               </a:rPr>
-              <a:t>Таблица плана повышения ЗП с </a:t>
+              <a:t>Таблица плана повышения ЗП</a:t>
             </a:r>
+          </a:p>
+          <a:p>
+            <a:pPr>
+              <a:lnSpc>
+                <a:spcPct val="100000"/>
+              </a:lnSpc>
+              <a:spcBef>
+                <a:spcPts val="0"/>
+              </a:spcBef>
+            </a:pPr>
+            <a:endParaRPr lang="ru-RU" sz="1400" dirty="0">
+              <a:cs typeface="Segoe UI"/>
+            </a:endParaRPr>
+          </a:p>
+          <a:p>
+            <a:pPr>
+              <a:lnSpc>
+                <a:spcPct val="100000"/>
+              </a:lnSpc>
+              <a:spcBef>
+                <a:spcPts val="0"/>
+              </a:spcBef>
+            </a:pPr>
             <a:r>
-              <a:rPr lang="ru-RU" sz="1400" dirty="0" smtClean="0">
+              <a:rPr lang="ru-RU" sz="1400" dirty="0">
                 <a:cs typeface="Segoe UI"/>
               </a:rPr>
-              <a:t>конфликтами</a:t>
+              <a:t>Таблица плана повышения ЗП с конфликтами</a:t>
             </a:r>
           </a:p>
           <a:p>
@@ -41046,7 +40868,7 @@
               <a:buNone/>
             </a:pPr>
             <a:r>
-              <a:rPr lang="ru-RU" sz="1800" b="1" dirty="0" smtClean="0">
+              <a:rPr lang="ru-RU" sz="1800" b="1" dirty="0">
                 <a:solidFill>
                   <a:schemeClr val="accent3"/>
                 </a:solidFill>
@@ -41054,50 +40876,6 @@
               </a:rPr>
               <a:t>Артефакты:</a:t>
             </a:r>
-            <a:endParaRPr lang="ru-RU" sz="1800" b="1" dirty="0">
-              <a:solidFill>
-                <a:schemeClr val="accent3"/>
-              </a:solidFill>
-              <a:cs typeface="Segoe UI" panose="020B0502040204020203" pitchFamily="34" charset="0"/>
-            </a:endParaRPr>
-          </a:p>
-          <a:p>
-            <a:pPr>
-              <a:lnSpc>
-                <a:spcPct val="100000"/>
-              </a:lnSpc>
-              <a:spcBef>
-                <a:spcPts val="0"/>
-              </a:spcBef>
-            </a:pPr>
-            <a:endParaRPr lang="ru-RU" sz="1400" dirty="0" smtClean="0">
-              <a:cs typeface="Segoe UI"/>
-            </a:endParaRPr>
-          </a:p>
-          <a:p>
-            <a:pPr>
-              <a:lnSpc>
-                <a:spcPct val="100000"/>
-              </a:lnSpc>
-              <a:spcBef>
-                <a:spcPts val="0"/>
-              </a:spcBef>
-            </a:pPr>
-            <a:r>
-              <a:rPr lang="ru-RU" sz="1400" dirty="0" smtClean="0">
-                <a:cs typeface="Segoe UI"/>
-              </a:rPr>
-              <a:t>Две </a:t>
-            </a:r>
-            <a:r>
-              <a:rPr lang="en-US" sz="1400" dirty="0" smtClean="0">
-                <a:cs typeface="Segoe UI"/>
-              </a:rPr>
-              <a:t>Transformation</a:t>
-            </a:r>
-            <a:endParaRPr lang="ru-RU" sz="1400" dirty="0" smtClean="0">
-              <a:cs typeface="Segoe UI"/>
-            </a:endParaRPr>
           </a:p>
           <a:p>
             <a:pPr>
@@ -41122,12 +40900,50 @@
               </a:spcBef>
             </a:pPr>
             <a:r>
-              <a:rPr lang="en-US" sz="1400" dirty="0" smtClean="0">
+              <a:rPr lang="ru-RU" sz="1400" dirty="0">
+                <a:cs typeface="Segoe UI"/>
+              </a:rPr>
+              <a:t>Две </a:t>
+            </a:r>
+            <a:r>
+              <a:rPr lang="en-US" sz="1400" dirty="0">
+                <a:cs typeface="Segoe UI"/>
+              </a:rPr>
+              <a:t>Transformation</a:t>
+            </a:r>
+            <a:endParaRPr lang="ru-RU" sz="1400" dirty="0">
+              <a:cs typeface="Segoe UI"/>
+            </a:endParaRPr>
+          </a:p>
+          <a:p>
+            <a:pPr>
+              <a:lnSpc>
+                <a:spcPct val="100000"/>
+              </a:lnSpc>
+              <a:spcBef>
+                <a:spcPts val="0"/>
+              </a:spcBef>
+            </a:pPr>
+            <a:endParaRPr lang="ru-RU" sz="1400" dirty="0">
+              <a:cs typeface="Segoe UI"/>
+            </a:endParaRPr>
+          </a:p>
+          <a:p>
+            <a:pPr>
+              <a:lnSpc>
+                <a:spcPct val="100000"/>
+              </a:lnSpc>
+              <a:spcBef>
+                <a:spcPts val="0"/>
+              </a:spcBef>
+            </a:pPr>
+            <a:r>
+              <a:rPr lang="en-US" sz="1400" dirty="0">
                 <a:cs typeface="Segoe UI"/>
               </a:rPr>
               <a:t>Workflow</a:t>
             </a:r>
-            <a:endParaRPr lang="ru-RU" sz="1400" dirty="0" smtClean="0">
+            <a:endParaRPr lang="ru-RU" sz="1400" dirty="0">
               <a:cs typeface="Segoe UI"/>
             </a:endParaRPr>
           </a:p>
@@ -41498,7 +41314,7 @@
               <a:buNone/>
             </a:pPr>
             <a:r>
-              <a:rPr lang="ru-RU" sz="4800" b="1" dirty="0" smtClean="0">
+              <a:rPr lang="ru-RU" sz="4800" b="1" dirty="0">
                 <a:solidFill>
                   <a:schemeClr val="bg1"/>
                 </a:solidFill>
@@ -41962,14 +41778,14 @@
               <a:buNone/>
             </a:pPr>
             <a:r>
-              <a:rPr lang="ru-RU" sz="1400" dirty="0" smtClean="0">
+              <a:rPr lang="ru-RU" sz="1400" dirty="0">
                 <a:ea typeface="Segoe UI Black" panose="020B0A02040204020203" pitchFamily="34" charset="0"/>
                 <a:cs typeface="Segoe UI" panose="020B0502040204020203" pitchFamily="34" charset="0"/>
               </a:rPr>
               <a:t>Ведущий разработчик </a:t>
             </a:r>
             <a:r>
-              <a:rPr lang="en-US" sz="1400" dirty="0" smtClean="0">
+              <a:rPr lang="en-US" sz="1400" dirty="0">
                 <a:ea typeface="Segoe UI Black" panose="020B0A02040204020203" pitchFamily="34" charset="0"/>
                 <a:cs typeface="Segoe UI" panose="020B0502040204020203" pitchFamily="34" charset="0"/>
               </a:rPr>
@@ -42166,7 +41982,7 @@
           <p:cNvPr id="12" name="Номер слайда 14">
             <a:extLst>
               <a:ext uri="{FF2B5EF4-FFF2-40B4-BE49-F238E27FC236}">
-                <a16:creationId xmlns="" xmlns:a16="http://schemas.microsoft.com/office/drawing/2014/main" id="{FB8388CA-0185-4829-9834-67042A51649B}"/>
+                <a16:creationId xmlns:a16="http://schemas.microsoft.com/office/drawing/2014/main" id="{FB8388CA-0185-4829-9834-67042A51649B}"/>
               </a:ext>
             </a:extLst>
           </p:cNvPr>
@@ -42325,7 +42141,7 @@
           <p:cNvPr id="10" name="Рисунок 9">
             <a:extLst>
               <a:ext uri="{FF2B5EF4-FFF2-40B4-BE49-F238E27FC236}">
-                <a16:creationId xmlns="" xmlns:a16="http://schemas.microsoft.com/office/drawing/2014/main" id="{210BB930-ADA3-4BAF-832E-2A1DB38DFABF}"/>
+                <a16:creationId xmlns:a16="http://schemas.microsoft.com/office/drawing/2014/main" id="{210BB930-ADA3-4BAF-832E-2A1DB38DFABF}"/>
               </a:ext>
             </a:extLst>
           </p:cNvPr>
@@ -42691,7 +42507,7 @@
           <p:cNvPr id="13" name="Группа 1">
             <a:extLst>
               <a:ext uri="{FF2B5EF4-FFF2-40B4-BE49-F238E27FC236}">
-                <a16:creationId xmlns="" xmlns:a16="http://schemas.microsoft.com/office/drawing/2014/main" id="{A537713B-AECA-4961-9325-6FAD0BAB1323}"/>
+                <a16:creationId xmlns:a16="http://schemas.microsoft.com/office/drawing/2014/main" id="{A537713B-AECA-4961-9325-6FAD0BAB1323}"/>
               </a:ext>
             </a:extLst>
           </p:cNvPr>
@@ -42711,7 +42527,7 @@
             <p:cNvPr id="16" name="TextBox 22">
               <a:extLst>
                 <a:ext uri="{FF2B5EF4-FFF2-40B4-BE49-F238E27FC236}">
-                  <a16:creationId xmlns="" xmlns:a16="http://schemas.microsoft.com/office/drawing/2014/main" id="{F08ED5E3-7CEF-4F53-8AD5-61EB44974AE6}"/>
+                  <a16:creationId xmlns:a16="http://schemas.microsoft.com/office/drawing/2014/main" id="{F08ED5E3-7CEF-4F53-8AD5-61EB44974AE6}"/>
                 </a:ext>
               </a:extLst>
             </p:cNvPr>
@@ -42749,7 +42565,7 @@
                 <a:defRPr/>
               </a:pPr>
               <a:r>
-                <a:rPr lang="pt-BR" sz="2400" b="1" dirty="0" smtClean="0">
+                <a:rPr lang="pt-BR" sz="2400" b="1" dirty="0">
                   <a:solidFill>
                     <a:schemeClr val="bg1"/>
                   </a:solidFill>
@@ -42758,7 +42574,7 @@
                 <a:t>+7 (</a:t>
               </a:r>
               <a:r>
-                <a:rPr lang="ru-RU" sz="2400" b="1" dirty="0" smtClean="0">
+                <a:rPr lang="ru-RU" sz="2400" b="1" dirty="0">
                   <a:solidFill>
                     <a:schemeClr val="bg1"/>
                   </a:solidFill>
@@ -42767,7 +42583,7 @@
                 <a:t>495</a:t>
               </a:r>
               <a:r>
-                <a:rPr lang="pt-BR" sz="2400" b="1" dirty="0" smtClean="0">
+                <a:rPr lang="pt-BR" sz="2400" b="1" dirty="0">
                   <a:solidFill>
                     <a:schemeClr val="bg1"/>
                   </a:solidFill>
@@ -42776,7 +42592,7 @@
                 <a:t>) </a:t>
               </a:r>
               <a:r>
-                <a:rPr lang="ru-RU" sz="2400" b="1" dirty="0" smtClean="0">
+                <a:rPr lang="ru-RU" sz="2400" b="1" dirty="0">
                   <a:solidFill>
                     <a:schemeClr val="bg1"/>
                   </a:solidFill>
@@ -42784,7 +42600,7 @@
                 </a:rPr>
                 <a:t>984-27-90</a:t>
               </a:r>
-              <a:endParaRPr lang="pt-BR" sz="2400" b="1" dirty="0" smtClean="0">
+              <a:endParaRPr lang="pt-BR" sz="2400" b="1" dirty="0">
                 <a:solidFill>
                   <a:schemeClr val="bg1"/>
                 </a:solidFill>
@@ -42798,7 +42614,7 @@
                 </a:spcAft>
               </a:pPr>
               <a:r>
-                <a:rPr lang="en-US" sz="2400" b="1" dirty="0" err="1" smtClean="0">
+                <a:rPr lang="en-US" sz="2400" b="1" dirty="0" err="1">
                   <a:solidFill>
                     <a:schemeClr val="bg1"/>
                   </a:solidFill>
@@ -42807,7 +42623,7 @@
                 <a:t>asuvorova</a:t>
               </a:r>
               <a:r>
-                <a:rPr lang="pt-BR" sz="2400" b="1" dirty="0" smtClean="0">
+                <a:rPr lang="pt-BR" sz="2400" b="1" dirty="0">
                   <a:solidFill>
                     <a:schemeClr val="bg1"/>
                   </a:solidFill>
@@ -42823,7 +42639,7 @@
                 </a:spcAft>
               </a:pPr>
               <a:r>
-                <a:rPr lang="pt-BR" sz="2400" b="1" dirty="0" smtClean="0">
+                <a:rPr lang="pt-BR" sz="2400" b="1" dirty="0">
                   <a:solidFill>
                     <a:schemeClr val="bg1"/>
                   </a:solidFill>
@@ -42831,12 +42647,6 @@
                 </a:rPr>
                 <a:t>www.neoflex.ru</a:t>
               </a:r>
-              <a:endParaRPr lang="pt-BR" sz="2400" b="1" dirty="0">
-                <a:solidFill>
-                  <a:schemeClr val="bg1"/>
-                </a:solidFill>
-                <a:ea typeface="Blogger Sans" pitchFamily="50" charset="0"/>
-              </a:endParaRPr>
             </a:p>
           </p:txBody>
         </p:sp>
@@ -42845,7 +42655,7 @@
             <p:cNvPr id="31" name="Прямоугольник с двумя скругленными противолежащими углами 30">
               <a:extLst>
                 <a:ext uri="{FF2B5EF4-FFF2-40B4-BE49-F238E27FC236}">
-                  <a16:creationId xmlns="" xmlns:a16="http://schemas.microsoft.com/office/drawing/2014/main" id="{849F72A5-0532-4976-BE44-8A057F8A1CEB}"/>
+                  <a16:creationId xmlns:a16="http://schemas.microsoft.com/office/drawing/2014/main" id="{849F72A5-0532-4976-BE44-8A057F8A1CEB}"/>
                 </a:ext>
               </a:extLst>
             </p:cNvPr>
@@ -42897,7 +42707,7 @@
             <p:cNvPr id="29" name="Прямоугольник с двумя скругленными противолежащими углами 28">
               <a:extLst>
                 <a:ext uri="{FF2B5EF4-FFF2-40B4-BE49-F238E27FC236}">
-                  <a16:creationId xmlns="" xmlns:a16="http://schemas.microsoft.com/office/drawing/2014/main" id="{A4FC387E-EE81-4469-A3FE-8D790A551407}"/>
+                  <a16:creationId xmlns:a16="http://schemas.microsoft.com/office/drawing/2014/main" id="{A4FC387E-EE81-4469-A3FE-8D790A551407}"/>
                 </a:ext>
               </a:extLst>
             </p:cNvPr>
@@ -42949,7 +42759,7 @@
             <p:cNvPr id="27" name="Прямоугольник с двумя скругленными противолежащими углами 26">
               <a:extLst>
                 <a:ext uri="{FF2B5EF4-FFF2-40B4-BE49-F238E27FC236}">
-                  <a16:creationId xmlns="" xmlns:a16="http://schemas.microsoft.com/office/drawing/2014/main" id="{3832AB06-161E-4CEC-AE8B-7ECC1DD6A7E0}"/>
+                  <a16:creationId xmlns:a16="http://schemas.microsoft.com/office/drawing/2014/main" id="{3832AB06-161E-4CEC-AE8B-7ECC1DD6A7E0}"/>
                 </a:ext>
               </a:extLst>
             </p:cNvPr>
@@ -43002,7 +42812,7 @@
           <p:cNvPr id="22" name="Google Shape;6306;p50">
             <a:extLst>
               <a:ext uri="{FF2B5EF4-FFF2-40B4-BE49-F238E27FC236}">
-                <a16:creationId xmlns="" xmlns:a16="http://schemas.microsoft.com/office/drawing/2014/main" id="{740FBE88-1A94-46E7-B07B-FB4FE92FFB91}"/>
+                <a16:creationId xmlns:a16="http://schemas.microsoft.com/office/drawing/2014/main" id="{740FBE88-1A94-46E7-B07B-FB4FE92FFB91}"/>
               </a:ext>
             </a:extLst>
           </p:cNvPr>
@@ -43306,7 +43116,7 @@
           <p:cNvPr id="23" name="Google Shape;6408;p50">
             <a:extLst>
               <a:ext uri="{FF2B5EF4-FFF2-40B4-BE49-F238E27FC236}">
-                <a16:creationId xmlns="" xmlns:a16="http://schemas.microsoft.com/office/drawing/2014/main" id="{4A147203-DB62-4FB7-B55F-CACBD0B92F3F}"/>
+                <a16:creationId xmlns:a16="http://schemas.microsoft.com/office/drawing/2014/main" id="{4A147203-DB62-4FB7-B55F-CACBD0B92F3F}"/>
               </a:ext>
             </a:extLst>
           </p:cNvPr>
@@ -43329,7 +43139,7 @@
             <p:cNvPr id="34" name="Google Shape;6409;p50">
               <a:extLst>
                 <a:ext uri="{FF2B5EF4-FFF2-40B4-BE49-F238E27FC236}">
-                  <a16:creationId xmlns="" xmlns:a16="http://schemas.microsoft.com/office/drawing/2014/main" id="{93B7D37C-F4D8-4D81-AB64-0DC3C137730B}"/>
+                  <a16:creationId xmlns:a16="http://schemas.microsoft.com/office/drawing/2014/main" id="{93B7D37C-F4D8-4D81-AB64-0DC3C137730B}"/>
                 </a:ext>
               </a:extLst>
             </p:cNvPr>
@@ -43507,7 +43317,7 @@
             <p:cNvPr id="35" name="Google Shape;6410;p50">
               <a:extLst>
                 <a:ext uri="{FF2B5EF4-FFF2-40B4-BE49-F238E27FC236}">
-                  <a16:creationId xmlns="" xmlns:a16="http://schemas.microsoft.com/office/drawing/2014/main" id="{7A8BBEFA-CB8B-434E-AF7A-0E4D0A9F3A27}"/>
+                  <a16:creationId xmlns:a16="http://schemas.microsoft.com/office/drawing/2014/main" id="{7A8BBEFA-CB8B-434E-AF7A-0E4D0A9F3A27}"/>
                 </a:ext>
               </a:extLst>
             </p:cNvPr>
@@ -43620,7 +43430,7 @@
           <p:cNvPr id="43" name="Google Shape;6368;p50">
             <a:extLst>
               <a:ext uri="{FF2B5EF4-FFF2-40B4-BE49-F238E27FC236}">
-                <a16:creationId xmlns="" xmlns:a16="http://schemas.microsoft.com/office/drawing/2014/main" id="{0A7F8CB4-AD65-47B2-947E-5F577B5711CC}"/>
+                <a16:creationId xmlns:a16="http://schemas.microsoft.com/office/drawing/2014/main" id="{0A7F8CB4-AD65-47B2-947E-5F577B5711CC}"/>
               </a:ext>
             </a:extLst>
           </p:cNvPr>
@@ -43643,7 +43453,7 @@
             <p:cNvPr id="44" name="Google Shape;6369;p50">
               <a:extLst>
                 <a:ext uri="{FF2B5EF4-FFF2-40B4-BE49-F238E27FC236}">
-                  <a16:creationId xmlns="" xmlns:a16="http://schemas.microsoft.com/office/drawing/2014/main" id="{421B6E65-AB52-4878-8468-786B378468B6}"/>
+                  <a16:creationId xmlns:a16="http://schemas.microsoft.com/office/drawing/2014/main" id="{421B6E65-AB52-4878-8468-786B378468B6}"/>
                 </a:ext>
               </a:extLst>
             </p:cNvPr>
@@ -43729,7 +43539,7 @@
             <p:cNvPr id="45" name="Google Shape;6370;p50">
               <a:extLst>
                 <a:ext uri="{FF2B5EF4-FFF2-40B4-BE49-F238E27FC236}">
-                  <a16:creationId xmlns="" xmlns:a16="http://schemas.microsoft.com/office/drawing/2014/main" id="{E8A119B5-7A99-465A-9ACF-5CC4C23C9672}"/>
+                  <a16:creationId xmlns:a16="http://schemas.microsoft.com/office/drawing/2014/main" id="{E8A119B5-7A99-465A-9ACF-5CC4C23C9672}"/>
                 </a:ext>
               </a:extLst>
             </p:cNvPr>
@@ -43815,7 +43625,7 @@
             <p:cNvPr id="46" name="Google Shape;6371;p50">
               <a:extLst>
                 <a:ext uri="{FF2B5EF4-FFF2-40B4-BE49-F238E27FC236}">
-                  <a16:creationId xmlns="" xmlns:a16="http://schemas.microsoft.com/office/drawing/2014/main" id="{E5BC7355-4119-403F-85A0-FB71D77ABCE2}"/>
+                  <a16:creationId xmlns:a16="http://schemas.microsoft.com/office/drawing/2014/main" id="{E5BC7355-4119-403F-85A0-FB71D77ABCE2}"/>
                 </a:ext>
               </a:extLst>
             </p:cNvPr>
@@ -43899,7 +43709,7 @@
             <p:cNvPr id="47" name="Google Shape;6372;p50">
               <a:extLst>
                 <a:ext uri="{FF2B5EF4-FFF2-40B4-BE49-F238E27FC236}">
-                  <a16:creationId xmlns="" xmlns:a16="http://schemas.microsoft.com/office/drawing/2014/main" id="{DDA2F833-7E9F-4DFD-B1D6-062E2A8B57AA}"/>
+                  <a16:creationId xmlns:a16="http://schemas.microsoft.com/office/drawing/2014/main" id="{DDA2F833-7E9F-4DFD-B1D6-062E2A8B57AA}"/>
                 </a:ext>
               </a:extLst>
             </p:cNvPr>
@@ -43986,7 +43796,7 @@
             <p:cNvPr id="48" name="Google Shape;6373;p50">
               <a:extLst>
                 <a:ext uri="{FF2B5EF4-FFF2-40B4-BE49-F238E27FC236}">
-                  <a16:creationId xmlns="" xmlns:a16="http://schemas.microsoft.com/office/drawing/2014/main" id="{CCE7D58B-8952-4986-A283-1D3A2D3A0133}"/>
+                  <a16:creationId xmlns:a16="http://schemas.microsoft.com/office/drawing/2014/main" id="{CCE7D58B-8952-4986-A283-1D3A2D3A0133}"/>
                 </a:ext>
               </a:extLst>
             </p:cNvPr>
@@ -44100,7 +43910,7 @@
             <p:cNvPr id="49" name="Google Shape;6374;p50">
               <a:extLst>
                 <a:ext uri="{FF2B5EF4-FFF2-40B4-BE49-F238E27FC236}">
-                  <a16:creationId xmlns="" xmlns:a16="http://schemas.microsoft.com/office/drawing/2014/main" id="{3336D366-C1D0-42CE-A135-FBFA34722560}"/>
+                  <a16:creationId xmlns:a16="http://schemas.microsoft.com/office/drawing/2014/main" id="{3336D366-C1D0-42CE-A135-FBFA34722560}"/>
                 </a:ext>
               </a:extLst>
             </p:cNvPr>
@@ -44179,7 +43989,7 @@
             <p:cNvPr id="50" name="Google Shape;6375;p50">
               <a:extLst>
                 <a:ext uri="{FF2B5EF4-FFF2-40B4-BE49-F238E27FC236}">
-                  <a16:creationId xmlns="" xmlns:a16="http://schemas.microsoft.com/office/drawing/2014/main" id="{68AE10B0-FDED-4A25-99E2-4B4DF4E260D7}"/>
+                  <a16:creationId xmlns:a16="http://schemas.microsoft.com/office/drawing/2014/main" id="{68AE10B0-FDED-4A25-99E2-4B4DF4E260D7}"/>
                 </a:ext>
               </a:extLst>
             </p:cNvPr>
@@ -44258,7 +44068,7 @@
             <p:cNvPr id="51" name="Google Shape;6376;p50">
               <a:extLst>
                 <a:ext uri="{FF2B5EF4-FFF2-40B4-BE49-F238E27FC236}">
-                  <a16:creationId xmlns="" xmlns:a16="http://schemas.microsoft.com/office/drawing/2014/main" id="{0CC44807-2BFC-4151-9C1A-B8951690A869}"/>
+                  <a16:creationId xmlns:a16="http://schemas.microsoft.com/office/drawing/2014/main" id="{0CC44807-2BFC-4151-9C1A-B8951690A869}"/>
                 </a:ext>
               </a:extLst>
             </p:cNvPr>
@@ -44337,7 +44147,7 @@
             <p:cNvPr id="52" name="Google Shape;6377;p50">
               <a:extLst>
                 <a:ext uri="{FF2B5EF4-FFF2-40B4-BE49-F238E27FC236}">
-                  <a16:creationId xmlns="" xmlns:a16="http://schemas.microsoft.com/office/drawing/2014/main" id="{C606C128-4543-408B-976D-1D2EA5BD9915}"/>
+                  <a16:creationId xmlns:a16="http://schemas.microsoft.com/office/drawing/2014/main" id="{C606C128-4543-408B-976D-1D2EA5BD9915}"/>
                 </a:ext>
               </a:extLst>
             </p:cNvPr>
@@ -44453,7 +44263,7 @@
             <p:cNvPr id="53" name="Google Shape;6378;p50">
               <a:extLst>
                 <a:ext uri="{FF2B5EF4-FFF2-40B4-BE49-F238E27FC236}">
-                  <a16:creationId xmlns="" xmlns:a16="http://schemas.microsoft.com/office/drawing/2014/main" id="{C3C8D7A7-8869-47D5-8E4C-BE22EB636EF8}"/>
+                  <a16:creationId xmlns:a16="http://schemas.microsoft.com/office/drawing/2014/main" id="{C3C8D7A7-8869-47D5-8E4C-BE22EB636EF8}"/>
                 </a:ext>
               </a:extLst>
             </p:cNvPr>
@@ -44530,7 +44340,7 @@
           <p:cNvPr id="2" name="Рисунок 1">
             <a:extLst>
               <a:ext uri="{FF2B5EF4-FFF2-40B4-BE49-F238E27FC236}">
-                <a16:creationId xmlns="" xmlns:a16="http://schemas.microsoft.com/office/drawing/2014/main" id="{2E8D35E2-18E0-4219-8A94-E64CD0D3B00E}"/>
+                <a16:creationId xmlns:a16="http://schemas.microsoft.com/office/drawing/2014/main" id="{2E8D35E2-18E0-4219-8A94-E64CD0D3B00E}"/>
               </a:ext>
             </a:extLst>
           </p:cNvPr>
@@ -44566,7 +44376,7 @@
           <p:cNvPr id="32" name="Нижний колонтитул 13">
             <a:extLst>
               <a:ext uri="{FF2B5EF4-FFF2-40B4-BE49-F238E27FC236}">
-                <a16:creationId xmlns="" xmlns:a16="http://schemas.microsoft.com/office/drawing/2014/main" id="{65F1260C-EF3F-430D-93A0-C0F94E5BFFB1}"/>
+                <a16:creationId xmlns:a16="http://schemas.microsoft.com/office/drawing/2014/main" id="{65F1260C-EF3F-430D-93A0-C0F94E5BFFB1}"/>
               </a:ext>
             </a:extLst>
           </p:cNvPr>
@@ -44702,7 +44512,7 @@
           <p:cNvPr id="33" name="Номер слайда 14">
             <a:extLst>
               <a:ext uri="{FF2B5EF4-FFF2-40B4-BE49-F238E27FC236}">
-                <a16:creationId xmlns="" xmlns:a16="http://schemas.microsoft.com/office/drawing/2014/main" id="{36CA1656-50F1-4399-A3DA-3CC9CE3288CC}"/>
+                <a16:creationId xmlns:a16="http://schemas.microsoft.com/office/drawing/2014/main" id="{36CA1656-50F1-4399-A3DA-3CC9CE3288CC}"/>
               </a:ext>
             </a:extLst>
           </p:cNvPr>
@@ -45998,6 +45808,21 @@
 </file>
 
 <file path=customXml/item1.xml><?xml version="1.0" encoding="utf-8"?>
+<p:properties xmlns:p="http://schemas.microsoft.com/office/2006/metadata/properties" xmlns:xsi="http://www.w3.org/2001/XMLSchema-instance" xmlns:pc="http://schemas.microsoft.com/office/infopath/2007/PartnerControls">
+  <documentManagement/>
+</p:properties>
+</file>
+
+<file path=customXml/item2.xml><?xml version="1.0" encoding="utf-8"?>
+<?mso-contentType ?>
+<FormTemplates xmlns="http://schemas.microsoft.com/sharepoint/v3/contenttype/forms">
+  <Display>DocumentLibraryForm</Display>
+  <Edit>DocumentLibraryForm</Edit>
+  <New>DocumentLibraryForm</New>
+</FormTemplates>
+</file>
+
+<file path=customXml/item3.xml><?xml version="1.0" encoding="utf-8"?>
 <ct:contentTypeSchema xmlns:ct="http://schemas.microsoft.com/office/2006/metadata/contentType" xmlns:ma="http://schemas.microsoft.com/office/2006/metadata/properties/metaAttributes" ct:_="" ma:_="" ma:contentTypeName="Document" ma:contentTypeID="0x01010039F1EC30C56B0A49BF00AC2A14A951F6" ma:contentTypeVersion="2" ma:contentTypeDescription="Create a new document." ma:contentTypeScope="" ma:versionID="1fae37d8c53f8d9bd66438f622d15ec4">
   <xsd:schema xmlns:xsd="http://www.w3.org/2001/XMLSchema" xmlns:xs="http://www.w3.org/2001/XMLSchema" xmlns:p="http://schemas.microsoft.com/office/2006/metadata/properties" xmlns:ns2="d6561073-d0d0-4208-a669-7e30b98e4e4c" targetNamespace="http://schemas.microsoft.com/office/2006/metadata/properties" ma:root="true" ma:fieldsID="5c3d36cf58fbbc210f05558feb859a77" ns2:_="">
     <xsd:import namespace="d6561073-d0d0-4208-a669-7e30b98e4e4c"/>
@@ -46129,22 +45954,31 @@
 </ct:contentTypeSchema>
 </file>
 
-<file path=customXml/item2.xml><?xml version="1.0" encoding="utf-8"?>
-<?mso-contentType ?>
-<FormTemplates xmlns="http://schemas.microsoft.com/sharepoint/v3/contenttype/forms">
-  <Display>DocumentLibraryForm</Display>
-  <Edit>DocumentLibraryForm</Edit>
-  <New>DocumentLibraryForm</New>
-</FormTemplates>
+<file path=customXml/itemProps1.xml><?xml version="1.0" encoding="utf-8"?>
+<ds:datastoreItem xmlns:ds="http://schemas.openxmlformats.org/officeDocument/2006/customXml" ds:itemID="{BA2D670E-6E33-4ECF-975D-3B9443EE81D0}">
+  <ds:schemaRefs>
+    <ds:schemaRef ds:uri="http://www.w3.org/XML/1998/namespace"/>
+    <ds:schemaRef ds:uri="http://schemas.microsoft.com/office/2006/metadata/properties"/>
+    <ds:schemaRef ds:uri="http://purl.org/dc/elements/1.1/"/>
+    <ds:schemaRef ds:uri="d6561073-d0d0-4208-a669-7e30b98e4e4c"/>
+    <ds:schemaRef ds:uri="http://purl.org/dc/dcmitype/"/>
+    <ds:schemaRef ds:uri="http://schemas.microsoft.com/office/2006/documentManagement/types"/>
+    <ds:schemaRef ds:uri="http://schemas.microsoft.com/office/infopath/2007/PartnerControls"/>
+    <ds:schemaRef ds:uri="http://schemas.openxmlformats.org/package/2006/metadata/core-properties"/>
+    <ds:schemaRef ds:uri="http://purl.org/dc/terms/"/>
+  </ds:schemaRefs>
+</ds:datastoreItem>
 </file>
 
-<file path=customXml/item3.xml><?xml version="1.0" encoding="utf-8"?>
-<p:properties xmlns:p="http://schemas.microsoft.com/office/2006/metadata/properties" xmlns:xsi="http://www.w3.org/2001/XMLSchema-instance" xmlns:pc="http://schemas.microsoft.com/office/infopath/2007/PartnerControls">
-  <documentManagement/>
-</p:properties>
+<file path=customXml/itemProps2.xml><?xml version="1.0" encoding="utf-8"?>
+<ds:datastoreItem xmlns:ds="http://schemas.openxmlformats.org/officeDocument/2006/customXml" ds:itemID="{76CD8FD0-FB11-4490-AE3C-4EC834CC3C3F}">
+  <ds:schemaRefs>
+    <ds:schemaRef ds:uri="http://schemas.microsoft.com/sharepoint/v3/contenttype/forms"/>
+  </ds:schemaRefs>
+</ds:datastoreItem>
 </file>
 
-<file path=customXml/itemProps1.xml><?xml version="1.0" encoding="utf-8"?>
+<file path=customXml/itemProps3.xml><?xml version="1.0" encoding="utf-8"?>
 <ds:datastoreItem xmlns:ds="http://schemas.openxmlformats.org/officeDocument/2006/customXml" ds:itemID="{1C49520B-91BA-4718-B541-40801E1B0EC3}">
   <ds:schemaRefs>
     <ds:schemaRef ds:uri="http://schemas.microsoft.com/office/2006/metadata/contentType"/>
@@ -46160,28 +45994,4 @@
     <ds:schemaRef ds:uri="http://schemas.microsoft.com/internal/obd"/>
   </ds:schemaRefs>
 </ds:datastoreItem>
-</file>
-
-<file path=customXml/itemProps2.xml><?xml version="1.0" encoding="utf-8"?>
-<ds:datastoreItem xmlns:ds="http://schemas.openxmlformats.org/officeDocument/2006/customXml" ds:itemID="{76CD8FD0-FB11-4490-AE3C-4EC834CC3C3F}">
-  <ds:schemaRefs>
-    <ds:schemaRef ds:uri="http://schemas.microsoft.com/sharepoint/v3/contenttype/forms"/>
-  </ds:schemaRefs>
-</ds:datastoreItem>
-</file>
-
-<file path=customXml/itemProps3.xml><?xml version="1.0" encoding="utf-8"?>
-<ds:datastoreItem xmlns:ds="http://schemas.openxmlformats.org/officeDocument/2006/customXml" ds:itemID="{BA2D670E-6E33-4ECF-975D-3B9443EE81D0}">
-  <ds:schemaRefs>
-    <ds:schemaRef ds:uri="http://www.w3.org/XML/1998/namespace"/>
-    <ds:schemaRef ds:uri="http://schemas.microsoft.com/office/2006/metadata/properties"/>
-    <ds:schemaRef ds:uri="http://purl.org/dc/elements/1.1/"/>
-    <ds:schemaRef ds:uri="d6561073-d0d0-4208-a669-7e30b98e4e4c"/>
-    <ds:schemaRef ds:uri="http://purl.org/dc/dcmitype/"/>
-    <ds:schemaRef ds:uri="http://schemas.microsoft.com/office/2006/documentManagement/types"/>
-    <ds:schemaRef ds:uri="http://schemas.microsoft.com/office/infopath/2007/PartnerControls"/>
-    <ds:schemaRef ds:uri="http://schemas.openxmlformats.org/package/2006/metadata/core-properties"/>
-    <ds:schemaRef ds:uri="http://purl.org/dc/terms/"/>
-  </ds:schemaRefs>
-</ds:datastoreItem>
 </file>